--- a/Clases/04-ArchitecturalPatterns/SoftwareArchitecture-ArchitecturalPatterns.pptx
+++ b/Clases/04-ArchitecturalPatterns/SoftwareArchitecture-ArchitecturalPatterns.pptx
@@ -292,7 +292,7 @@
           <a:p>
             <a:fld id="{4878D3D5-9CEC-4D72-8961-06C64553987A}" type="datetimeFigureOut">
               <a:rPr lang="en-US" smtClean="0"/>
-              <a:t>5/20/2025</a:t>
+              <a:t>5/24/2025</a:t>
             </a:fld>
             <a:endParaRPr lang="en-US"/>
           </a:p>
@@ -1187,6 +1187,16 @@
             </a:pPr>
             <a:r>
               <a:rPr lang="es-ES" dirty="0"/>
+              <a:t>Patrón Espacio de Tuplas</a:t>
+            </a:r>
+          </a:p>
+          <a:p>
+            <a:pPr marL="0" indent="0">
+              <a:buFontTx/>
+              <a:buNone/>
+            </a:pPr>
+            <a:r>
+              <a:rPr lang="es-ES" dirty="0"/>
               <a:t>El concepto de espacio de tuplas (la idea de memoria compartida distribuida) es la base del nombre de esta arquitectura. Este patrón basado en el espacio consta de dos componentes principales: una unidad de procesamiento y un middleware virtualizado.</a:t>
             </a:r>
           </a:p>
@@ -1896,6 +1906,16 @@
             </a:pPr>
             <a:r>
               <a:rPr lang="es-ES" dirty="0"/>
+              <a:t>Patrón Maestro-Esclavo</a:t>
+            </a:r>
+          </a:p>
+          <a:p>
+            <a:pPr marL="0" indent="0">
+              <a:buFontTx/>
+              <a:buNone/>
+            </a:pPr>
+            <a:r>
+              <a:rPr lang="es-ES" dirty="0"/>
               <a:t>Imagine una única base de datos que recibe múltiples solicitudes similares simultáneamente. Naturalmente, procesar cada solicitud simultáneamente puede complicar y ralentizar el proceso de la aplicación. Una solución a este problema es un patrón de arquitectura maestro-esclavo que funciona con la base de datos maestra ejecutando múltiples componentes esclavos para procesar esas solicitudes rápidamente.</a:t>
             </a:r>
           </a:p>
@@ -2418,26 +2438,6 @@
             </a:r>
             <a:endParaRPr lang="es-CO" dirty="0"/>
           </a:p>
-          <a:p>
-            <a:pPr marL="0" marR="0" lvl="0" indent="0" algn="l" defTabSz="914400" rtl="0" eaLnBrk="1" fontAlgn="auto" latinLnBrk="0" hangingPunct="1">
-              <a:lnSpc>
-                <a:spcPct val="100000"/>
-              </a:lnSpc>
-              <a:spcBef>
-                <a:spcPts val="0"/>
-              </a:spcBef>
-              <a:spcAft>
-                <a:spcPts val="0"/>
-              </a:spcAft>
-              <a:buClrTx/>
-              <a:buSzTx/>
-              <a:buFontTx/>
-              <a:buNone/>
-              <a:tabLst/>
-              <a:defRPr/>
-            </a:pPr>
-            <a:endParaRPr lang="es-CO" dirty="0"/>
-          </a:p>
         </p:txBody>
       </p:sp>
       <p:sp>
@@ -2754,6 +2754,21 @@
             </a:pPr>
             <a:r>
               <a:rPr lang="es-ES" dirty="0"/>
+              <a:t>Patrón </a:t>
+            </a:r>
+            <a:r>
+              <a:rPr lang="es-ES" dirty="0" err="1"/>
+              <a:t>Broker</a:t>
+            </a:r>
+            <a:endParaRPr lang="es-ES" dirty="0"/>
+          </a:p>
+          <a:p>
+            <a:pPr marL="0" indent="0">
+              <a:buFontTx/>
+              <a:buNone/>
+            </a:pPr>
+            <a:r>
+              <a:rPr lang="es-ES" dirty="0"/>
               <a:t>Un patrón de intermediario se utiliza para estructurar sistemas distribuidos con componentes desacoplados. Al invocar servicios remotos, los componentes pueden interactuar entre sí en patrones de arquitectura de intermediario. Además, el intermediario es responsable de toda la coordinación y comunicación entre los componentes.</a:t>
             </a:r>
           </a:p>
@@ -3131,6 +3146,25 @@
               <a:buNone/>
             </a:pPr>
             <a:r>
+              <a:rPr lang="es-ES" dirty="0" err="1"/>
+              <a:t>Patr</a:t>
+            </a:r>
+            <a:r>
+              <a:rPr lang="en-US" dirty="0" err="1"/>
+              <a:t>ón</a:t>
+            </a:r>
+            <a:r>
+              <a:rPr lang="en-US" dirty="0"/>
+              <a:t> Punto a punto</a:t>
+            </a:r>
+            <a:endParaRPr lang="es-ES" dirty="0"/>
+          </a:p>
+          <a:p>
+            <a:pPr marL="0" indent="0">
+              <a:buFontTx/>
+              <a:buNone/>
+            </a:pPr>
+            <a:r>
               <a:rPr lang="es-ES" dirty="0"/>
               <a:t>En el patrón de arquitectura peer-</a:t>
             </a:r>
@@ -3634,15 +3668,7 @@
           <a:p>
             <a:r>
               <a:rPr lang="es-CO" dirty="0"/>
-              <a:t>Espero que esta presentación les haya sido útil, pero si aún tienen preguntas, por favor, dejen un comentario y se </a:t>
-            </a:r>
-            <a:r>
-              <a:rPr lang="es-CO"/>
-              <a:t>les responderá </a:t>
-            </a:r>
-            <a:r>
-              <a:rPr lang="es-CO" dirty="0"/>
-              <a:t>lo antes posible. Muchas gracias a todos.</a:t>
+              <a:t>Espero que esta presentación les haya sido útil, pero si aún tienen preguntas, por favor, dejen un comentario y se les responderá lo antes posible. Muchas gracias a todos.</a:t>
             </a:r>
           </a:p>
         </p:txBody>
@@ -4647,6 +4673,17 @@
               <a:buNone/>
             </a:pPr>
             <a:r>
+              <a:rPr lang="es-ES" dirty="0" err="1"/>
+              <a:t>MicroKernel</a:t>
+            </a:r>
+            <a:endParaRPr lang="es-ES" dirty="0"/>
+          </a:p>
+          <a:p>
+            <a:pPr marL="0" indent="0">
+              <a:buFontTx/>
+              <a:buNone/>
+            </a:pPr>
+            <a:r>
               <a:rPr lang="es-ES" dirty="0"/>
               <a:t>Este patrón de arquitectura consta de dos tipos de componentes: un sistema central y varios módulos de complemento. Mientras que el sistema central funciona con una funcionalidad mínima para mantener el sistema operativo, los módulos de complemento son componentes independientes con procesamiento especializado.</a:t>
             </a:r>
@@ -4871,7 +4908,7 @@
           <a:p>
             <a:fld id="{5D7C6876-A6E7-1843-987D-7573B8E4B848}" type="datetimeFigureOut">
               <a:rPr lang="es-CO" smtClean="0"/>
-              <a:t>20/05/2025</a:t>
+              <a:t>24/05/2025</a:t>
             </a:fld>
             <a:endParaRPr lang="es-CO"/>
           </a:p>
@@ -5105,7 +5142,7 @@
           <a:p>
             <a:fld id="{5D7C6876-A6E7-1843-987D-7573B8E4B848}" type="datetimeFigureOut">
               <a:rPr lang="es-CO" smtClean="0"/>
-              <a:t>20/05/2025</a:t>
+              <a:t>24/05/2025</a:t>
             </a:fld>
             <a:endParaRPr lang="es-CO"/>
           </a:p>
@@ -5313,7 +5350,7 @@
           <a:p>
             <a:fld id="{5D7C6876-A6E7-1843-987D-7573B8E4B848}" type="datetimeFigureOut">
               <a:rPr lang="es-CO" smtClean="0"/>
-              <a:t>20/05/2025</a:t>
+              <a:t>24/05/2025</a:t>
             </a:fld>
             <a:endParaRPr lang="es-CO"/>
           </a:p>
@@ -5613,7 +5650,7 @@
           <a:p>
             <a:fld id="{5D7C6876-A6E7-1843-987D-7573B8E4B848}" type="datetimeFigureOut">
               <a:rPr lang="es-CO" smtClean="0"/>
-              <a:t>20/05/2025</a:t>
+              <a:t>24/05/2025</a:t>
             </a:fld>
             <a:endParaRPr lang="es-CO"/>
           </a:p>
@@ -5886,7 +5923,7 @@
           <a:p>
             <a:fld id="{5D7C6876-A6E7-1843-987D-7573B8E4B848}" type="datetimeFigureOut">
               <a:rPr lang="es-CO" smtClean="0"/>
-              <a:t>20/05/2025</a:t>
+              <a:t>24/05/2025</a:t>
             </a:fld>
             <a:endParaRPr lang="es-CO"/>
           </a:p>
@@ -6232,7 +6269,7 @@
           <a:p>
             <a:fld id="{5D7C6876-A6E7-1843-987D-7573B8E4B848}" type="datetimeFigureOut">
               <a:rPr lang="es-CO" smtClean="0"/>
-              <a:t>20/05/2025</a:t>
+              <a:t>24/05/2025</a:t>
             </a:fld>
             <a:endParaRPr lang="es-CO"/>
           </a:p>
@@ -6779,7 +6816,7 @@
           <a:p>
             <a:fld id="{5D7C6876-A6E7-1843-987D-7573B8E4B848}" type="datetimeFigureOut">
               <a:rPr lang="es-CO" smtClean="0"/>
-              <a:t>20/05/2025</a:t>
+              <a:t>24/05/2025</a:t>
             </a:fld>
             <a:endParaRPr lang="es-CO"/>
           </a:p>
@@ -7124,7 +7161,7 @@
           <a:p>
             <a:fld id="{5D7C6876-A6E7-1843-987D-7573B8E4B848}" type="datetimeFigureOut">
               <a:rPr lang="es-CO" smtClean="0"/>
-              <a:t>20/05/2025</a:t>
+              <a:t>24/05/2025</a:t>
             </a:fld>
             <a:endParaRPr lang="es-CO"/>
           </a:p>
@@ -7498,7 +7535,7 @@
           <a:p>
             <a:fld id="{5D7C6876-A6E7-1843-987D-7573B8E4B848}" type="datetimeFigureOut">
               <a:rPr lang="es-CO" smtClean="0"/>
-              <a:t>20/05/2025</a:t>
+              <a:t>24/05/2025</a:t>
             </a:fld>
             <a:endParaRPr lang="es-CO"/>
           </a:p>
@@ -7865,7 +7902,7 @@
           <a:p>
             <a:fld id="{99C80EB1-3F7A-44A9-BF6E-5E1E469E7BE5}" type="datetimeFigureOut">
               <a:rPr lang="en-US" smtClean="0"/>
-              <a:t>5/20/2025</a:t>
+              <a:t>5/24/2025</a:t>
             </a:fld>
             <a:endParaRPr lang="en-US"/>
           </a:p>
@@ -8169,7 +8206,7 @@
           <a:p>
             <a:fld id="{99C80EB1-3F7A-44A9-BF6E-5E1E469E7BE5}" type="datetimeFigureOut">
               <a:rPr lang="en-US" smtClean="0"/>
-              <a:t>5/20/2025</a:t>
+              <a:t>5/24/2025</a:t>
             </a:fld>
             <a:endParaRPr lang="en-US"/>
           </a:p>
@@ -8489,7 +8526,7 @@
           <a:p>
             <a:fld id="{5D7C6876-A6E7-1843-987D-7573B8E4B848}" type="datetimeFigureOut">
               <a:rPr lang="es-CO" smtClean="0"/>
-              <a:t>20/05/2025</a:t>
+              <a:t>24/05/2025</a:t>
             </a:fld>
             <a:endParaRPr lang="es-CO"/>
           </a:p>
@@ -8816,7 +8853,7 @@
           <a:p>
             <a:fld id="{99C80EB1-3F7A-44A9-BF6E-5E1E469E7BE5}" type="datetimeFigureOut">
               <a:rPr lang="en-US" smtClean="0"/>
-              <a:t>5/20/2025</a:t>
+              <a:t>5/24/2025</a:t>
             </a:fld>
             <a:endParaRPr lang="en-US"/>
           </a:p>
@@ -9081,7 +9118,7 @@
           <a:p>
             <a:fld id="{99C80EB1-3F7A-44A9-BF6E-5E1E469E7BE5}" type="datetimeFigureOut">
               <a:rPr lang="en-US" smtClean="0"/>
-              <a:t>5/20/2025</a:t>
+              <a:t>5/24/2025</a:t>
             </a:fld>
             <a:endParaRPr lang="en-US"/>
           </a:p>
@@ -9493,7 +9530,7 @@
           <a:p>
             <a:fld id="{99C80EB1-3F7A-44A9-BF6E-5E1E469E7BE5}" type="datetimeFigureOut">
               <a:rPr lang="en-US" smtClean="0"/>
-              <a:t>5/20/2025</a:t>
+              <a:t>5/24/2025</a:t>
             </a:fld>
             <a:endParaRPr lang="en-US"/>
           </a:p>
@@ -9634,7 +9671,7 @@
           <a:p>
             <a:fld id="{99C80EB1-3F7A-44A9-BF6E-5E1E469E7BE5}" type="datetimeFigureOut">
               <a:rPr lang="en-US" smtClean="0"/>
-              <a:t>5/20/2025</a:t>
+              <a:t>5/24/2025</a:t>
             </a:fld>
             <a:endParaRPr lang="en-US"/>
           </a:p>
@@ -9747,7 +9784,7 @@
           <a:p>
             <a:fld id="{99C80EB1-3F7A-44A9-BF6E-5E1E469E7BE5}" type="datetimeFigureOut">
               <a:rPr lang="en-US" smtClean="0"/>
-              <a:t>5/20/2025</a:t>
+              <a:t>5/24/2025</a:t>
             </a:fld>
             <a:endParaRPr lang="en-US"/>
           </a:p>
@@ -10058,7 +10095,7 @@
           <a:p>
             <a:fld id="{99C80EB1-3F7A-44A9-BF6E-5E1E469E7BE5}" type="datetimeFigureOut">
               <a:rPr lang="en-US" smtClean="0"/>
-              <a:t>5/20/2025</a:t>
+              <a:t>5/24/2025</a:t>
             </a:fld>
             <a:endParaRPr lang="en-US"/>
           </a:p>
@@ -10349,7 +10386,7 @@
           <a:p>
             <a:fld id="{99C80EB1-3F7A-44A9-BF6E-5E1E469E7BE5}" type="datetimeFigureOut">
               <a:rPr lang="en-US" smtClean="0"/>
-              <a:t>5/20/2025</a:t>
+              <a:t>5/24/2025</a:t>
             </a:fld>
             <a:endParaRPr lang="en-US"/>
           </a:p>
@@ -10547,7 +10584,7 @@
           <a:p>
             <a:fld id="{99C80EB1-3F7A-44A9-BF6E-5E1E469E7BE5}" type="datetimeFigureOut">
               <a:rPr lang="en-US" smtClean="0"/>
-              <a:t>5/20/2025</a:t>
+              <a:t>5/24/2025</a:t>
             </a:fld>
             <a:endParaRPr lang="en-US"/>
           </a:p>
@@ -10755,7 +10792,7 @@
           <a:p>
             <a:fld id="{99C80EB1-3F7A-44A9-BF6E-5E1E469E7BE5}" type="datetimeFigureOut">
               <a:rPr lang="en-US" smtClean="0"/>
-              <a:t>5/20/2025</a:t>
+              <a:t>5/24/2025</a:t>
             </a:fld>
             <a:endParaRPr lang="en-US"/>
           </a:p>
@@ -11055,7 +11092,7 @@
           <a:p>
             <a:fld id="{99C80EB1-3F7A-44A9-BF6E-5E1E469E7BE5}" type="datetimeFigureOut">
               <a:rPr lang="en-US" smtClean="0"/>
-              <a:t>5/20/2025</a:t>
+              <a:t>5/24/2025</a:t>
             </a:fld>
             <a:endParaRPr lang="en-US"/>
           </a:p>
@@ -11476,7 +11513,7 @@
           <a:p>
             <a:fld id="{5D7C6876-A6E7-1843-987D-7573B8E4B848}" type="datetimeFigureOut">
               <a:rPr lang="es-CO" smtClean="0"/>
-              <a:t>20/05/2025</a:t>
+              <a:t>24/05/2025</a:t>
             </a:fld>
             <a:endParaRPr lang="es-CO"/>
           </a:p>
@@ -11603,7 +11640,7 @@
           <a:p>
             <a:fld id="{99C80EB1-3F7A-44A9-BF6E-5E1E469E7BE5}" type="datetimeFigureOut">
               <a:rPr lang="en-US" smtClean="0"/>
-              <a:t>5/20/2025</a:t>
+              <a:t>5/24/2025</a:t>
             </a:fld>
             <a:endParaRPr lang="en-US"/>
           </a:p>
@@ -11970,7 +12007,7 @@
           <a:p>
             <a:fld id="{99C80EB1-3F7A-44A9-BF6E-5E1E469E7BE5}" type="datetimeFigureOut">
               <a:rPr lang="en-US" smtClean="0"/>
-              <a:t>5/20/2025</a:t>
+              <a:t>5/24/2025</a:t>
             </a:fld>
             <a:endParaRPr lang="en-US"/>
           </a:p>
@@ -12274,7 +12311,7 @@
           <a:p>
             <a:fld id="{99C80EB1-3F7A-44A9-BF6E-5E1E469E7BE5}" type="datetimeFigureOut">
               <a:rPr lang="en-US" smtClean="0"/>
-              <a:t>5/20/2025</a:t>
+              <a:t>5/24/2025</a:t>
             </a:fld>
             <a:endParaRPr lang="en-US"/>
           </a:p>
@@ -12601,7 +12638,7 @@
           <a:p>
             <a:fld id="{99C80EB1-3F7A-44A9-BF6E-5E1E469E7BE5}" type="datetimeFigureOut">
               <a:rPr lang="en-US" smtClean="0"/>
-              <a:t>5/20/2025</a:t>
+              <a:t>5/24/2025</a:t>
             </a:fld>
             <a:endParaRPr lang="en-US"/>
           </a:p>
@@ -12866,7 +12903,7 @@
           <a:p>
             <a:fld id="{99C80EB1-3F7A-44A9-BF6E-5E1E469E7BE5}" type="datetimeFigureOut">
               <a:rPr lang="en-US" smtClean="0"/>
-              <a:t>5/20/2025</a:t>
+              <a:t>5/24/2025</a:t>
             </a:fld>
             <a:endParaRPr lang="en-US"/>
           </a:p>
@@ -13278,7 +13315,7 @@
           <a:p>
             <a:fld id="{99C80EB1-3F7A-44A9-BF6E-5E1E469E7BE5}" type="datetimeFigureOut">
               <a:rPr lang="en-US" smtClean="0"/>
-              <a:t>5/20/2025</a:t>
+              <a:t>5/24/2025</a:t>
             </a:fld>
             <a:endParaRPr lang="en-US"/>
           </a:p>
@@ -13419,7 +13456,7 @@
           <a:p>
             <a:fld id="{99C80EB1-3F7A-44A9-BF6E-5E1E469E7BE5}" type="datetimeFigureOut">
               <a:rPr lang="en-US" smtClean="0"/>
-              <a:t>5/20/2025</a:t>
+              <a:t>5/24/2025</a:t>
             </a:fld>
             <a:endParaRPr lang="en-US"/>
           </a:p>
@@ -13532,7 +13569,7 @@
           <a:p>
             <a:fld id="{99C80EB1-3F7A-44A9-BF6E-5E1E469E7BE5}" type="datetimeFigureOut">
               <a:rPr lang="en-US" smtClean="0"/>
-              <a:t>5/20/2025</a:t>
+              <a:t>5/24/2025</a:t>
             </a:fld>
             <a:endParaRPr lang="en-US"/>
           </a:p>
@@ -13843,7 +13880,7 @@
           <a:p>
             <a:fld id="{99C80EB1-3F7A-44A9-BF6E-5E1E469E7BE5}" type="datetimeFigureOut">
               <a:rPr lang="en-US" smtClean="0"/>
-              <a:t>5/20/2025</a:t>
+              <a:t>5/24/2025</a:t>
             </a:fld>
             <a:endParaRPr lang="en-US"/>
           </a:p>
@@ -14134,7 +14171,7 @@
           <a:p>
             <a:fld id="{99C80EB1-3F7A-44A9-BF6E-5E1E469E7BE5}" type="datetimeFigureOut">
               <a:rPr lang="en-US" smtClean="0"/>
-              <a:t>5/20/2025</a:t>
+              <a:t>5/24/2025</a:t>
             </a:fld>
             <a:endParaRPr lang="en-US"/>
           </a:p>
@@ -14399,7 +14436,7 @@
           <a:p>
             <a:fld id="{5D7C6876-A6E7-1843-987D-7573B8E4B848}" type="datetimeFigureOut">
               <a:rPr lang="es-CO" smtClean="0"/>
-              <a:t>20/05/2025</a:t>
+              <a:t>24/05/2025</a:t>
             </a:fld>
             <a:endParaRPr lang="es-CO"/>
           </a:p>
@@ -14597,7 +14634,7 @@
           <a:p>
             <a:fld id="{99C80EB1-3F7A-44A9-BF6E-5E1E469E7BE5}" type="datetimeFigureOut">
               <a:rPr lang="en-US" smtClean="0"/>
-              <a:t>5/20/2025</a:t>
+              <a:t>5/24/2025</a:t>
             </a:fld>
             <a:endParaRPr lang="en-US"/>
           </a:p>
@@ -14805,7 +14842,7 @@
           <a:p>
             <a:fld id="{99C80EB1-3F7A-44A9-BF6E-5E1E469E7BE5}" type="datetimeFigureOut">
               <a:rPr lang="en-US" smtClean="0"/>
-              <a:t>5/20/2025</a:t>
+              <a:t>5/24/2025</a:t>
             </a:fld>
             <a:endParaRPr lang="en-US"/>
           </a:p>
@@ -15105,7 +15142,7 @@
           <a:p>
             <a:fld id="{99C80EB1-3F7A-44A9-BF6E-5E1E469E7BE5}" type="datetimeFigureOut">
               <a:rPr lang="en-US" smtClean="0"/>
-              <a:t>5/20/2025</a:t>
+              <a:t>5/24/2025</a:t>
             </a:fld>
             <a:endParaRPr lang="en-US"/>
           </a:p>
@@ -15663,7 +15700,7 @@
           <a:p>
             <a:fld id="{5D7C6876-A6E7-1843-987D-7573B8E4B848}" type="datetimeFigureOut">
               <a:rPr lang="es-CO" smtClean="0"/>
-              <a:t>20/05/2025</a:t>
+              <a:t>24/05/2025</a:t>
             </a:fld>
             <a:endParaRPr lang="es-CO"/>
           </a:p>
@@ -15804,7 +15841,7 @@
           <a:p>
             <a:fld id="{5D7C6876-A6E7-1843-987D-7573B8E4B848}" type="datetimeFigureOut">
               <a:rPr lang="es-CO" smtClean="0"/>
-              <a:t>20/05/2025</a:t>
+              <a:t>24/05/2025</a:t>
             </a:fld>
             <a:endParaRPr lang="es-CO"/>
           </a:p>
@@ -15917,7 +15954,7 @@
           <a:p>
             <a:fld id="{5D7C6876-A6E7-1843-987D-7573B8E4B848}" type="datetimeFigureOut">
               <a:rPr lang="es-CO" smtClean="0"/>
-              <a:t>20/05/2025</a:t>
+              <a:t>24/05/2025</a:t>
             </a:fld>
             <a:endParaRPr lang="es-CO"/>
           </a:p>
@@ -16228,7 +16265,7 @@
           <a:p>
             <a:fld id="{5D7C6876-A6E7-1843-987D-7573B8E4B848}" type="datetimeFigureOut">
               <a:rPr lang="es-CO" smtClean="0"/>
-              <a:t>20/05/2025</a:t>
+              <a:t>24/05/2025</a:t>
             </a:fld>
             <a:endParaRPr lang="es-CO"/>
           </a:p>
@@ -16519,7 +16556,7 @@
           <a:p>
             <a:fld id="{5D7C6876-A6E7-1843-987D-7573B8E4B848}" type="datetimeFigureOut">
               <a:rPr lang="es-CO" smtClean="0"/>
-              <a:t>20/05/2025</a:t>
+              <a:t>24/05/2025</a:t>
             </a:fld>
             <a:endParaRPr lang="es-CO"/>
           </a:p>
@@ -16760,7 +16797,7 @@
           <a:p>
             <a:fld id="{5D7C6876-A6E7-1843-987D-7573B8E4B848}" type="datetimeFigureOut">
               <a:rPr lang="es-CO" smtClean="0"/>
-              <a:t>20/05/2025</a:t>
+              <a:t>24/05/2025</a:t>
             </a:fld>
             <a:endParaRPr lang="es-CO"/>
           </a:p>
@@ -17350,7 +17387,7 @@
           <a:p>
             <a:fld id="{99C80EB1-3F7A-44A9-BF6E-5E1E469E7BE5}" type="datetimeFigureOut">
               <a:rPr lang="en-US" smtClean="0"/>
-              <a:t>5/20/2025</a:t>
+              <a:t>5/24/2025</a:t>
             </a:fld>
             <a:endParaRPr lang="en-US"/>
           </a:p>
@@ -17936,7 +17973,7 @@
           <a:p>
             <a:fld id="{99C80EB1-3F7A-44A9-BF6E-5E1E469E7BE5}" type="datetimeFigureOut">
               <a:rPr lang="en-US" smtClean="0"/>
-              <a:t>5/20/2025</a:t>
+              <a:t>5/24/2025</a:t>
             </a:fld>
             <a:endParaRPr lang="en-US"/>
           </a:p>
@@ -26253,15 +26290,6 @@
 </file>
 
 <file path=customXml/item1.xml><?xml version="1.0" encoding="utf-8"?>
-<?mso-contentType ?>
-<FormTemplates xmlns="http://schemas.microsoft.com/sharepoint/v3/contenttype/forms">
-  <Display>DocumentLibraryForm</Display>
-  <Edit>DocumentLibraryForm</Edit>
-  <New>DocumentLibraryForm</New>
-</FormTemplates>
-</file>
-
-<file path=customXml/item2.xml><?xml version="1.0" encoding="utf-8"?>
 <ct:contentTypeSchema xmlns:ct="http://schemas.microsoft.com/office/2006/metadata/contentType" xmlns:ma="http://schemas.microsoft.com/office/2006/metadata/properties/metaAttributes" ct:_="" ma:_="" ma:contentTypeName="Document" ma:contentTypeID="0x010100DD885558AB6A744F858F199523AA4F79" ma:contentTypeVersion="14" ma:contentTypeDescription="Create a new document." ma:contentTypeScope="" ma:versionID="0d7e2d77a35f50d24e5cfea0c15e27e2">
   <xsd:schema xmlns:xsd="http://www.w3.org/2001/XMLSchema" xmlns:xs="http://www.w3.org/2001/XMLSchema" xmlns:p="http://schemas.microsoft.com/office/2006/metadata/properties" xmlns:ns2="986c2aee-ed5d-4f8c-9a97-a123ff0f41d6" xmlns:ns3="3dc4ad75-eb7a-4335-b796-582b00f977f8" targetNamespace="http://schemas.microsoft.com/office/2006/metadata/properties" ma:root="true" ma:fieldsID="98180309d84f6e93ca95db4211fcb1fe" ns2:_="" ns3:_="">
     <xsd:import namespace="986c2aee-ed5d-4f8c-9a97-a123ff0f41d6"/>
@@ -26470,6 +26498,15 @@
 </ct:contentTypeSchema>
 </file>
 
+<file path=customXml/item2.xml><?xml version="1.0" encoding="utf-8"?>
+<?mso-contentType ?>
+<FormTemplates xmlns="http://schemas.microsoft.com/sharepoint/v3/contenttype/forms">
+  <Display>DocumentLibraryForm</Display>
+  <Edit>DocumentLibraryForm</Edit>
+  <New>DocumentLibraryForm</New>
+</FormTemplates>
+</file>
+
 <file path=customXml/item3.xml><?xml version="1.0" encoding="utf-8"?>
 <p:properties xmlns:p="http://schemas.microsoft.com/office/2006/metadata/properties" xmlns:xsi="http://www.w3.org/2001/XMLSchema-instance" xmlns:pc="http://schemas.microsoft.com/office/infopath/2007/PartnerControls">
   <documentManagement>
@@ -26482,14 +26519,6 @@
 </file>
 
 <file path=customXml/itemProps1.xml><?xml version="1.0" encoding="utf-8"?>
-<ds:datastoreItem xmlns:ds="http://schemas.openxmlformats.org/officeDocument/2006/customXml" ds:itemID="{54B8C7C7-268A-471B-B609-F14FCD4C456D}">
-  <ds:schemaRefs>
-    <ds:schemaRef ds:uri="http://schemas.microsoft.com/sharepoint/v3/contenttype/forms"/>
-  </ds:schemaRefs>
-</ds:datastoreItem>
-</file>
-
-<file path=customXml/itemProps2.xml><?xml version="1.0" encoding="utf-8"?>
 <ds:datastoreItem xmlns:ds="http://schemas.openxmlformats.org/officeDocument/2006/customXml" ds:itemID="{716BFC68-38EA-4C0C-85FC-6CF4D3E55561}">
   <ds:schemaRefs>
     <ds:schemaRef ds:uri="http://schemas.microsoft.com/office/2006/metadata/contentType"/>
@@ -26504,6 +26533,14 @@
     <ds:schemaRef ds:uri="http://purl.org/dc/elements/1.1/"/>
     <ds:schemaRef ds:uri="http://purl.org/dc/terms/"/>
     <ds:schemaRef ds:uri="http://schemas.microsoft.com/internal/obd"/>
+  </ds:schemaRefs>
+</ds:datastoreItem>
+</file>
+
+<file path=customXml/itemProps2.xml><?xml version="1.0" encoding="utf-8"?>
+<ds:datastoreItem xmlns:ds="http://schemas.openxmlformats.org/officeDocument/2006/customXml" ds:itemID="{54B8C7C7-268A-471B-B609-F14FCD4C456D}">
+  <ds:schemaRefs>
+    <ds:schemaRef ds:uri="http://schemas.microsoft.com/sharepoint/v3/contenttype/forms"/>
   </ds:schemaRefs>
 </ds:datastoreItem>
 </file>
